--- a/week1/js 1주 2회차 과제/i-keeper js2주차 과제.pptx
+++ b/week1/js 1주 2회차 과제/i-keeper js2주차 과제.pptx
@@ -133,7 +133,7 @@
   <pc:docChgLst>
     <pc:chgData name="영록 이" userId="2230d7116141ff97" providerId="LiveId" clId="{6D90963A-671F-44FC-BE9D-576C0444AF12}"/>
     <pc:docChg chg="custSel addSld delSld modSld">
-      <pc:chgData name="영록 이" userId="2230d7116141ff97" providerId="LiveId" clId="{6D90963A-671F-44FC-BE9D-576C0444AF12}" dt="2023-09-20T05:29:40.679" v="283" actId="47"/>
+      <pc:chgData name="영록 이" userId="2230d7116141ff97" providerId="LiveId" clId="{6D90963A-671F-44FC-BE9D-576C0444AF12}" dt="2023-09-20T08:27:46.163" v="551" actId="20577"/>
       <pc:docMkLst>
         <pc:docMk/>
       </pc:docMkLst>
@@ -183,6 +183,45 @@
             <ac:spMk id="9" creationId="{B9C3412B-C352-6589-0281-74401D16714F}"/>
           </ac:spMkLst>
         </pc:spChg>
+      </pc:sldChg>
+      <pc:sldChg chg="modSp mod">
+        <pc:chgData name="영록 이" userId="2230d7116141ff97" providerId="LiveId" clId="{6D90963A-671F-44FC-BE9D-576C0444AF12}" dt="2023-09-20T08:27:46.163" v="551" actId="20577"/>
+        <pc:sldMkLst>
+          <pc:docMk/>
+          <pc:sldMk cId="291498670" sldId="263"/>
+        </pc:sldMkLst>
+        <pc:spChg chg="mod">
+          <ac:chgData name="영록 이" userId="2230d7116141ff97" providerId="LiveId" clId="{6D90963A-671F-44FC-BE9D-576C0444AF12}" dt="2023-09-20T08:27:46.163" v="551" actId="20577"/>
+          <ac:spMkLst>
+            <pc:docMk/>
+            <pc:sldMk cId="291498670" sldId="263"/>
+            <ac:spMk id="6" creationId="{B96DE6C1-F28E-7587-A65B-F6A60E9B2CFE}"/>
+          </ac:spMkLst>
+        </pc:spChg>
+        <pc:spChg chg="mod">
+          <ac:chgData name="영록 이" userId="2230d7116141ff97" providerId="LiveId" clId="{6D90963A-671F-44FC-BE9D-576C0444AF12}" dt="2023-09-20T08:16:56.820" v="418" actId="20577"/>
+          <ac:spMkLst>
+            <pc:docMk/>
+            <pc:sldMk cId="291498670" sldId="263"/>
+            <ac:spMk id="9" creationId="{C03C9B68-E079-9873-0342-A64F5F908D63}"/>
+          </ac:spMkLst>
+        </pc:spChg>
+        <pc:spChg chg="mod">
+          <ac:chgData name="영록 이" userId="2230d7116141ff97" providerId="LiveId" clId="{6D90963A-671F-44FC-BE9D-576C0444AF12}" dt="2023-09-20T08:25:36.514" v="550" actId="20577"/>
+          <ac:spMkLst>
+            <pc:docMk/>
+            <pc:sldMk cId="291498670" sldId="263"/>
+            <ac:spMk id="12" creationId="{3BE986F2-AA70-3A1A-E78A-47C9184146FE}"/>
+          </ac:spMkLst>
+        </pc:spChg>
+        <pc:picChg chg="mod">
+          <ac:chgData name="영록 이" userId="2230d7116141ff97" providerId="LiveId" clId="{6D90963A-671F-44FC-BE9D-576C0444AF12}" dt="2023-09-20T08:23:43.884" v="419" actId="1076"/>
+          <ac:picMkLst>
+            <pc:docMk/>
+            <pc:sldMk cId="291498670" sldId="263"/>
+            <ac:picMk id="5" creationId="{F8B53827-7969-A2E3-2135-1617A7615ACD}"/>
+          </ac:picMkLst>
+        </pc:picChg>
       </pc:sldChg>
       <pc:sldChg chg="addSp delSp modSp mod">
         <pc:chgData name="영록 이" userId="2230d7116141ff97" providerId="LiveId" clId="{6D90963A-671F-44FC-BE9D-576C0444AF12}" dt="2023-09-20T05:29:30.294" v="282" actId="1076"/>
@@ -5179,7 +5218,7 @@
         </p:blipFill>
         <p:spPr>
           <a:xfrm>
-            <a:off x="373184" y="215465"/>
+            <a:off x="458566" y="176388"/>
             <a:ext cx="2885051" cy="3684411"/>
           </a:xfrm>
           <a:prstGeom prst="rect">
@@ -5283,7 +5322,7 @@
             </a:r>
             <a:r>
               <a:rPr lang="ko-KR" altLang="en-US" dirty="0"/>
-              <a:t> 없다 </a:t>
+              <a:t> 없다</a:t>
             </a:r>
             <a:endParaRPr lang="en-US" altLang="ko-KR" dirty="0"/>
           </a:p>
@@ -5299,8 +5338,8 @@
               <a:t>‘false’</a:t>
             </a:r>
             <a:r>
-              <a:rPr lang="ko-KR" altLang="en-US" dirty="0"/>
-              <a:t>가정의하고 </a:t>
+              <a:rPr lang="ko-KR" altLang="en-US"/>
+              <a:t>가 정의하고 </a:t>
             </a:r>
             <a:r>
               <a:rPr lang="ko-KR" altLang="en-US" dirty="0" err="1"/>
@@ -5369,8 +5408,8 @@
         </p:nvSpPr>
         <p:spPr>
           <a:xfrm>
-            <a:off x="388815" y="4555455"/>
-            <a:ext cx="3040185" cy="923330"/>
+            <a:off x="303432" y="4031824"/>
+            <a:ext cx="3040185" cy="1754326"/>
           </a:xfrm>
           <a:prstGeom prst="rect">
             <a:avLst/>
@@ -5434,6 +5473,40 @@
             <a:r>
               <a:rPr lang="en-US" altLang="ko-KR" dirty="0"/>
               <a:t>?</a:t>
+            </a:r>
+          </a:p>
+          <a:p>
+            <a:r>
+              <a:rPr lang="en-US" altLang="ko-KR" dirty="0"/>
+              <a:t>NAN</a:t>
+            </a:r>
+            <a:r>
+              <a:rPr lang="ko-KR" altLang="en-US" dirty="0"/>
+              <a:t>은 다른 어떤 </a:t>
+            </a:r>
+            <a:r>
+              <a:rPr lang="ko-KR" altLang="en-US" dirty="0" err="1"/>
+              <a:t>값과도</a:t>
+            </a:r>
+            <a:r>
+              <a:rPr lang="en-US" altLang="ko-KR" dirty="0"/>
+              <a:t>(</a:t>
+            </a:r>
+            <a:r>
+              <a:rPr lang="ko-KR" altLang="en-US" dirty="0"/>
+              <a:t>자기 자신 포함</a:t>
+            </a:r>
+            <a:r>
+              <a:rPr lang="en-US" altLang="ko-KR" dirty="0"/>
+              <a:t>)</a:t>
+            </a:r>
+            <a:r>
+              <a:rPr lang="ko-KR" altLang="en-US" dirty="0"/>
+              <a:t>같지 </a:t>
+            </a:r>
+            <a:r>
+              <a:rPr lang="ko-KR" altLang="en-US" dirty="0" err="1"/>
+              <a:t>않기때문임</a:t>
             </a:r>
             <a:endParaRPr lang="ko-KR" altLang="en-US" dirty="0"/>
           </a:p>
@@ -5484,7 +5557,7 @@
         <p:spPr>
           <a:xfrm>
             <a:off x="3429000" y="7154071"/>
-            <a:ext cx="3040185" cy="1754326"/>
+            <a:ext cx="3040185" cy="2862322"/>
           </a:xfrm>
           <a:prstGeom prst="rect">
             <a:avLst/>
@@ -5563,6 +5636,13 @@
           </a:p>
           <a:p>
             <a:r>
+              <a:rPr lang="ko-KR" altLang="en-US" dirty="0"/>
+              <a:t>음수와 양수를 구분하는듯하다</a:t>
+            </a:r>
+            <a:endParaRPr lang="en-US" altLang="ko-KR" dirty="0"/>
+          </a:p>
+          <a:p>
+            <a:r>
               <a:rPr lang="en-US" altLang="ko-KR" dirty="0"/>
               <a:t>NAN</a:t>
             </a:r>
@@ -5582,6 +5662,25 @@
               <a:rPr lang="ko-KR" altLang="en-US" dirty="0" err="1"/>
               <a:t>그런가</a:t>
             </a:r>
+            <a:r>
+              <a:rPr lang="en-US" altLang="ko-KR" dirty="0"/>
+              <a:t>?</a:t>
+            </a:r>
+          </a:p>
+          <a:p>
+            <a:r>
+              <a:rPr lang="en-US" altLang="ko-KR" dirty="0"/>
+              <a:t>.</a:t>
+            </a:r>
+            <a:endParaRPr lang="ko-KR" altLang="en-US" b="0" i="0" dirty="0">
+              <a:solidFill>
+                <a:srgbClr val="ECECEC"/>
+              </a:solidFill>
+              <a:effectLst/>
+              <a:latin typeface="-apple-system"/>
+            </a:endParaRPr>
+          </a:p>
+          <a:p>
             <a:endParaRPr lang="en-US" altLang="ko-KR" dirty="0"/>
           </a:p>
         </p:txBody>
